--- a/Activity 05/Vertudez_Activity_5_Report.pptx
+++ b/Activity 05/Vertudez_Activity_5_Report.pptx
@@ -14,8 +14,10 @@
     <p:sldId id="272" r:id="rId8"/>
     <p:sldId id="273" r:id="rId9"/>
     <p:sldId id="274" r:id="rId10"/>
-    <p:sldId id="263" r:id="rId11"/>
-    <p:sldId id="270" r:id="rId12"/>
+    <p:sldId id="276" r:id="rId11"/>
+    <p:sldId id="277" r:id="rId12"/>
+    <p:sldId id="263" r:id="rId13"/>
+    <p:sldId id="270" r:id="rId14"/>
   </p:sldIdLst>
   <p:sldSz cx="12192000" cy="6858000"/>
   <p:notesSz cx="7772400" cy="10058400"/>
@@ -7072,6 +7074,412 @@
       </p:grpSpPr>
       <p:sp>
         <p:nvSpPr>
+          <p:cNvPr id="87" name="PlaceHolder 1"/>
+          <p:cNvSpPr>
+            <a:spLocks noGrp="1"/>
+          </p:cNvSpPr>
+          <p:nvPr>
+            <p:ph type="title"/>
+          </p:nvPr>
+        </p:nvSpPr>
+        <p:spPr>
+          <a:xfrm>
+            <a:off x="0" y="18900"/>
+            <a:ext cx="12191760" cy="1325160"/>
+          </a:xfrm>
+          <a:prstGeom prst="rect">
+            <a:avLst/>
+          </a:prstGeom>
+          <a:noFill/>
+          <a:ln w="0">
+            <a:noFill/>
+          </a:ln>
+        </p:spPr>
+        <p:txBody>
+          <a:bodyPr anchor="ctr">
+            <a:noAutofit/>
+          </a:bodyPr>
+          <a:lstStyle/>
+          <a:p>
+            <a:pPr algn="ctr">
+              <a:lnSpc>
+                <a:spcPct val="90000"/>
+              </a:lnSpc>
+              <a:buNone/>
+            </a:pPr>
+            <a:r>
+              <a:rPr lang="en-US" spc="-1" dirty="0">
+                <a:solidFill>
+                  <a:srgbClr val="000000"/>
+                </a:solidFill>
+                <a:latin typeface="Calibri Light"/>
+              </a:rPr>
+              <a:t>NON</a:t>
+            </a:r>
+            <a:r>
+              <a:rPr lang="en-US" sz="4400" b="0" strike="noStrike" spc="-1" dirty="0">
+                <a:solidFill>
+                  <a:srgbClr val="000000"/>
+                </a:solidFill>
+                <a:latin typeface="Calibri Light"/>
+              </a:rPr>
+              <a:t>PARAMETRIC COLOR SEGMENTATION</a:t>
+            </a:r>
+            <a:endParaRPr lang="en-US" sz="4400" b="0" strike="noStrike" spc="-1" dirty="0">
+              <a:solidFill>
+                <a:srgbClr val="000000"/>
+              </a:solidFill>
+              <a:latin typeface="Calibri"/>
+            </a:endParaRPr>
+          </a:p>
+        </p:txBody>
+      </p:sp>
+      <p:sp>
+        <p:nvSpPr>
+          <p:cNvPr id="88" name="Content Placeholder 2"/>
+          <p:cNvSpPr/>
+          <p:nvPr/>
+        </p:nvSpPr>
+        <p:spPr>
+          <a:xfrm>
+            <a:off x="0" y="6610680"/>
+            <a:ext cx="12191760" cy="246960"/>
+          </a:xfrm>
+          <a:prstGeom prst="rect">
+            <a:avLst/>
+          </a:prstGeom>
+          <a:noFill/>
+          <a:ln w="0">
+            <a:noFill/>
+          </a:ln>
+        </p:spPr>
+        <p:style>
+          <a:lnRef idx="0">
+            <a:scrgbClr r="0" g="0" b="0"/>
+          </a:lnRef>
+          <a:fillRef idx="0">
+            <a:scrgbClr r="0" g="0" b="0"/>
+          </a:fillRef>
+          <a:effectRef idx="0">
+            <a:scrgbClr r="0" g="0" b="0"/>
+          </a:effectRef>
+          <a:fontRef idx="minor"/>
+        </p:style>
+        <p:txBody>
+          <a:bodyPr anchor="t">
+            <a:normAutofit fontScale="95000" lnSpcReduction="10000"/>
+          </a:bodyPr>
+          <a:lstStyle/>
+          <a:p>
+            <a:pPr marL="0" indent="0">
+              <a:buNone/>
+            </a:pPr>
+            <a:r>
+              <a:rPr lang="en-US" sz="1200" dirty="0">
+                <a:latin typeface="Calibri" panose="020F0502020204030204" pitchFamily="34" charset="0"/>
+                <a:cs typeface="Calibri" panose="020F0502020204030204" pitchFamily="34" charset="0"/>
+              </a:rPr>
+              <a:t>Codes and files: </a:t>
+            </a:r>
+            <a:r>
+              <a:rPr lang="en-US" sz="1200" dirty="0">
+                <a:latin typeface="Calibri" panose="020F0502020204030204" pitchFamily="34" charset="0"/>
+                <a:cs typeface="Calibri" panose="020F0502020204030204" pitchFamily="34" charset="0"/>
+                <a:hlinkClick r:id="rId2"/>
+              </a:rPr>
+              <a:t>https://github.com/genvert/AP_157_FX-2_Vertudez/tree/main/Activity%205</a:t>
+            </a:r>
+            <a:endParaRPr lang="en-US" sz="1200" dirty="0">
+              <a:latin typeface="Calibri" panose="020F0502020204030204" pitchFamily="34" charset="0"/>
+              <a:cs typeface="Calibri" panose="020F0502020204030204" pitchFamily="34" charset="0"/>
+            </a:endParaRPr>
+          </a:p>
+        </p:txBody>
+      </p:sp>
+      <p:pic>
+        <p:nvPicPr>
+          <p:cNvPr id="3" name="Picture 2" descr="A close-up of a bug&#10;&#10;Description automatically generated with medium confidence">
+            <a:extLst>
+              <a:ext uri="{FF2B5EF4-FFF2-40B4-BE49-F238E27FC236}">
+                <a16:creationId xmlns:a16="http://schemas.microsoft.com/office/drawing/2014/main" id="{41901663-3DBA-99D5-8527-5BAC35708B27}"/>
+              </a:ext>
+            </a:extLst>
+          </p:cNvPr>
+          <p:cNvPicPr>
+            <a:picLocks noChangeAspect="1"/>
+          </p:cNvPicPr>
+          <p:nvPr/>
+        </p:nvPicPr>
+        <p:blipFill>
+          <a:blip r:embed="rId3">
+            <a:extLst>
+              <a:ext uri="{28A0092B-C50C-407E-A947-70E740481C1C}">
+                <a14:useLocalDpi xmlns:a14="http://schemas.microsoft.com/office/drawing/2010/main" val="0"/>
+              </a:ext>
+            </a:extLst>
+          </a:blip>
+          <a:stretch>
+            <a:fillRect/>
+          </a:stretch>
+        </p:blipFill>
+        <p:spPr>
+          <a:xfrm>
+            <a:off x="3601028" y="1179136"/>
+            <a:ext cx="5395284" cy="2697642"/>
+          </a:xfrm>
+          <a:prstGeom prst="rect">
+            <a:avLst/>
+          </a:prstGeom>
+        </p:spPr>
+      </p:pic>
+      <p:pic>
+        <p:nvPicPr>
+          <p:cNvPr id="6" name="Picture 5" descr="A picture containing screenshot, diagram, text, line&#10;&#10;Description automatically generated">
+            <a:extLst>
+              <a:ext uri="{FF2B5EF4-FFF2-40B4-BE49-F238E27FC236}">
+                <a16:creationId xmlns:a16="http://schemas.microsoft.com/office/drawing/2014/main" id="{7C013F54-EEB1-81A5-DB81-211823B253CC}"/>
+              </a:ext>
+            </a:extLst>
+          </p:cNvPr>
+          <p:cNvPicPr>
+            <a:picLocks noChangeAspect="1"/>
+          </p:cNvPicPr>
+          <p:nvPr/>
+        </p:nvPicPr>
+        <p:blipFill>
+          <a:blip r:embed="rId4" cstate="print">
+            <a:extLst>
+              <a:ext uri="{28A0092B-C50C-407E-A947-70E740481C1C}">
+                <a14:useLocalDpi xmlns:a14="http://schemas.microsoft.com/office/drawing/2010/main" val="0"/>
+              </a:ext>
+            </a:extLst>
+          </a:blip>
+          <a:stretch>
+            <a:fillRect/>
+          </a:stretch>
+        </p:blipFill>
+        <p:spPr>
+          <a:xfrm>
+            <a:off x="2620653" y="3787219"/>
+            <a:ext cx="5674936" cy="1891645"/>
+          </a:xfrm>
+          <a:prstGeom prst="rect">
+            <a:avLst/>
+          </a:prstGeom>
+        </p:spPr>
+      </p:pic>
+    </p:spTree>
+    <p:extLst>
+      <p:ext uri="{BB962C8B-B14F-4D97-AF65-F5344CB8AC3E}">
+        <p14:creationId xmlns:p14="http://schemas.microsoft.com/office/powerpoint/2010/main" val="2029787140"/>
+      </p:ext>
+    </p:extLst>
+  </p:cSld>
+  <p:clrMapOvr>
+    <a:masterClrMapping/>
+  </p:clrMapOvr>
+</p:sld>
+</file>
+
+<file path=ppt/slides/slide11.xml><?xml version="1.0" encoding="utf-8"?>
+<p:sld xmlns:a="http://schemas.openxmlformats.org/drawingml/2006/main" xmlns:r="http://schemas.openxmlformats.org/officeDocument/2006/relationships" xmlns:p="http://schemas.openxmlformats.org/presentationml/2006/main">
+  <p:cSld>
+    <p:spTree>
+      <p:nvGrpSpPr>
+        <p:cNvPr id="1" name=""/>
+        <p:cNvGrpSpPr/>
+        <p:nvPr/>
+      </p:nvGrpSpPr>
+      <p:grpSpPr>
+        <a:xfrm>
+          <a:off x="0" y="0"/>
+          <a:ext cx="0" cy="0"/>
+          <a:chOff x="0" y="0"/>
+          <a:chExt cx="0" cy="0"/>
+        </a:xfrm>
+      </p:grpSpPr>
+      <p:sp>
+        <p:nvSpPr>
+          <p:cNvPr id="109" name="PlaceHolder 1"/>
+          <p:cNvSpPr>
+            <a:spLocks noGrp="1"/>
+          </p:cNvSpPr>
+          <p:nvPr>
+            <p:ph type="title"/>
+          </p:nvPr>
+        </p:nvSpPr>
+        <p:spPr>
+          <a:xfrm>
+            <a:off x="838080" y="365040"/>
+            <a:ext cx="10515240" cy="1325160"/>
+          </a:xfrm>
+          <a:prstGeom prst="rect">
+            <a:avLst/>
+          </a:prstGeom>
+          <a:noFill/>
+          <a:ln w="0">
+            <a:noFill/>
+          </a:ln>
+        </p:spPr>
+        <p:txBody>
+          <a:bodyPr anchor="ctr">
+            <a:noAutofit/>
+          </a:bodyPr>
+          <a:lstStyle/>
+          <a:p>
+            <a:pPr>
+              <a:lnSpc>
+                <a:spcPct val="90000"/>
+              </a:lnSpc>
+              <a:buNone/>
+            </a:pPr>
+            <a:r>
+              <a:rPr lang="en-US" sz="4400" b="0" strike="noStrike" spc="-1" dirty="0">
+                <a:solidFill>
+                  <a:srgbClr val="000000"/>
+                </a:solidFill>
+                <a:latin typeface="Calibri Light"/>
+              </a:rPr>
+              <a:t>REFLECTION</a:t>
+            </a:r>
+            <a:endParaRPr lang="en-US" sz="4400" b="0" strike="noStrike" spc="-1" dirty="0">
+              <a:solidFill>
+                <a:srgbClr val="000000"/>
+              </a:solidFill>
+              <a:latin typeface="Calibri"/>
+            </a:endParaRPr>
+          </a:p>
+        </p:txBody>
+      </p:sp>
+      <p:sp>
+        <p:nvSpPr>
+          <p:cNvPr id="110" name="PlaceHolder 2"/>
+          <p:cNvSpPr>
+            <a:spLocks noGrp="1"/>
+          </p:cNvSpPr>
+          <p:nvPr>
+            <p:ph/>
+          </p:nvPr>
+        </p:nvSpPr>
+        <p:spPr>
+          <a:xfrm>
+            <a:off x="838080" y="1825560"/>
+            <a:ext cx="10515240" cy="4350960"/>
+          </a:xfrm>
+          <a:prstGeom prst="rect">
+            <a:avLst/>
+          </a:prstGeom>
+          <a:noFill/>
+          <a:ln w="0">
+            <a:noFill/>
+          </a:ln>
+        </p:spPr>
+        <p:txBody>
+          <a:bodyPr anchor="t">
+            <a:noAutofit/>
+          </a:bodyPr>
+          <a:lstStyle/>
+          <a:p>
+            <a:pPr marL="228600" indent="-228600">
+              <a:lnSpc>
+                <a:spcPct val="90000"/>
+              </a:lnSpc>
+              <a:spcBef>
+                <a:spcPts val="1001"/>
+              </a:spcBef>
+              <a:buClr>
+                <a:srgbClr val="000000"/>
+              </a:buClr>
+              <a:buFont typeface="Arial"/>
+              <a:buChar char="•"/>
+            </a:pPr>
+            <a:r>
+              <a:rPr lang="en-US" sz="2800" b="0" strike="noStrike" spc="-1" dirty="0">
+                <a:solidFill>
+                  <a:srgbClr val="000000"/>
+                </a:solidFill>
+                <a:latin typeface="Calibri"/>
+              </a:rPr>
+              <a:t>This activity was straightforward so I was able to follow it easily.</a:t>
+            </a:r>
+          </a:p>
+          <a:p>
+            <a:pPr marL="228600" indent="-228600">
+              <a:lnSpc>
+                <a:spcPct val="90000"/>
+              </a:lnSpc>
+              <a:spcBef>
+                <a:spcPts val="1001"/>
+              </a:spcBef>
+              <a:buClr>
+                <a:srgbClr val="000000"/>
+              </a:buClr>
+              <a:buFont typeface="Arial"/>
+              <a:buChar char="•"/>
+            </a:pPr>
+            <a:r>
+              <a:rPr lang="en-US" sz="2800" b="0" strike="noStrike" spc="-1" dirty="0">
+                <a:solidFill>
+                  <a:srgbClr val="000000"/>
+                </a:solidFill>
+                <a:latin typeface="Calibri"/>
+              </a:rPr>
+              <a:t>It is fun to recognize and understand the functions of different options in ImageJ based on our fundamental understandings of image processing. It is cool to know that you can do these manually with coding without the app.</a:t>
+            </a:r>
+          </a:p>
+          <a:p>
+            <a:pPr marL="228600" indent="-228600">
+              <a:lnSpc>
+                <a:spcPct val="90000"/>
+              </a:lnSpc>
+              <a:spcBef>
+                <a:spcPts val="1001"/>
+              </a:spcBef>
+              <a:buClr>
+                <a:srgbClr val="000000"/>
+              </a:buClr>
+              <a:buFont typeface="Arial"/>
+              <a:buChar char="•"/>
+            </a:pPr>
+            <a:r>
+              <a:rPr lang="en-US" sz="2800" b="0" strike="noStrike" spc="-1" dirty="0">
+                <a:solidFill>
+                  <a:srgbClr val="000000"/>
+                </a:solidFill>
+                <a:latin typeface="Calibri"/>
+              </a:rPr>
+              <a:t>I am grateful for this no-coding exercise. This is a breather exercise because I have been overwhelmed by coding lately.</a:t>
+            </a:r>
+          </a:p>
+        </p:txBody>
+      </p:sp>
+    </p:spTree>
+  </p:cSld>
+  <p:clrMapOvr>
+    <a:masterClrMapping/>
+  </p:clrMapOvr>
+</p:sld>
+</file>
+
+<file path=ppt/slides/slide12.xml><?xml version="1.0" encoding="utf-8"?>
+<p:sld xmlns:a="http://schemas.openxmlformats.org/drawingml/2006/main" xmlns:r="http://schemas.openxmlformats.org/officeDocument/2006/relationships" xmlns:p="http://schemas.openxmlformats.org/presentationml/2006/main">
+  <p:cSld>
+    <p:spTree>
+      <p:nvGrpSpPr>
+        <p:cNvPr id="1" name=""/>
+        <p:cNvGrpSpPr/>
+        <p:nvPr/>
+      </p:nvGrpSpPr>
+      <p:grpSpPr>
+        <a:xfrm>
+          <a:off x="0" y="0"/>
+          <a:ext cx="0" cy="0"/>
+          <a:chOff x="0" y="0"/>
+          <a:chExt cx="0" cy="0"/>
+        </a:xfrm>
+      </p:grpSpPr>
+      <p:sp>
+        <p:nvSpPr>
           <p:cNvPr id="109" name="PlaceHolder 1"/>
           <p:cNvSpPr>
             <a:spLocks noGrp="1"/>
@@ -9512,7 +9920,7 @@
       </p:grpSpPr>
       <p:sp>
         <p:nvSpPr>
-          <p:cNvPr id="109" name="PlaceHolder 1"/>
+          <p:cNvPr id="87" name="PlaceHolder 1"/>
           <p:cNvSpPr>
             <a:spLocks noGrp="1"/>
           </p:cNvSpPr>
@@ -9522,8 +9930,8 @@
         </p:nvSpPr>
         <p:spPr>
           <a:xfrm>
-            <a:off x="838080" y="365040"/>
-            <a:ext cx="10515240" cy="1325160"/>
+            <a:off x="0" y="18900"/>
+            <a:ext cx="12191760" cy="1325160"/>
           </a:xfrm>
           <a:prstGeom prst="rect">
             <a:avLst/>
@@ -9539,12 +9947,21 @@
           </a:bodyPr>
           <a:lstStyle/>
           <a:p>
-            <a:pPr>
+            <a:pPr algn="ctr">
               <a:lnSpc>
                 <a:spcPct val="90000"/>
               </a:lnSpc>
               <a:buNone/>
             </a:pPr>
+            <a:r>
+              <a:rPr lang="en-US" spc="-1" dirty="0">
+                <a:solidFill>
+                  <a:srgbClr val="000000"/>
+                </a:solidFill>
+                <a:latin typeface="Calibri Light"/>
+              </a:rPr>
+              <a:t>NON</a:t>
+            </a:r>
             <a:r>
               <a:rPr lang="en-US" sz="4400" b="0" strike="noStrike" spc="-1" dirty="0">
                 <a:solidFill>
@@ -9552,7 +9969,7 @@
                 </a:solidFill>
                 <a:latin typeface="Calibri Light"/>
               </a:rPr>
-              <a:t>REFLECTION</a:t>
+              <a:t>PARAMETRIC COLOR SEGMENTATION</a:t>
             </a:r>
             <a:endParaRPr lang="en-US" sz="4400" b="0" strike="noStrike" spc="-1" dirty="0">
               <a:solidFill>
@@ -9565,18 +9982,14 @@
       </p:sp>
       <p:sp>
         <p:nvSpPr>
-          <p:cNvPr id="110" name="PlaceHolder 2"/>
-          <p:cNvSpPr>
-            <a:spLocks noGrp="1"/>
-          </p:cNvSpPr>
-          <p:nvPr>
-            <p:ph/>
-          </p:nvPr>
-        </p:nvSpPr>
-        <p:spPr>
-          <a:xfrm>
-            <a:off x="838080" y="1825560"/>
-            <a:ext cx="10515240" cy="4350960"/>
+          <p:cNvPr id="88" name="Content Placeholder 2"/>
+          <p:cNvSpPr/>
+          <p:nvPr/>
+        </p:nvSpPr>
+        <p:spPr>
+          <a:xfrm>
+            <a:off x="0" y="6610680"/>
+            <a:ext cx="12191760" cy="246960"/>
           </a:xfrm>
           <a:prstGeom prst="rect">
             <a:avLst/>
@@ -9586,86 +9999,199 @@
             <a:noFill/>
           </a:ln>
         </p:spPr>
+        <p:style>
+          <a:lnRef idx="0">
+            <a:scrgbClr r="0" g="0" b="0"/>
+          </a:lnRef>
+          <a:fillRef idx="0">
+            <a:scrgbClr r="0" g="0" b="0"/>
+          </a:fillRef>
+          <a:effectRef idx="0">
+            <a:scrgbClr r="0" g="0" b="0"/>
+          </a:effectRef>
+          <a:fontRef idx="minor"/>
+        </p:style>
         <p:txBody>
           <a:bodyPr anchor="t">
-            <a:noAutofit/>
+            <a:normAutofit fontScale="95000" lnSpcReduction="10000"/>
           </a:bodyPr>
           <a:lstStyle/>
           <a:p>
-            <a:pPr marL="228600" indent="-228600">
-              <a:lnSpc>
-                <a:spcPct val="90000"/>
-              </a:lnSpc>
-              <a:spcBef>
-                <a:spcPts val="1001"/>
-              </a:spcBef>
-              <a:buClr>
-                <a:srgbClr val="000000"/>
-              </a:buClr>
-              <a:buFont typeface="Arial"/>
-              <a:buChar char="•"/>
+            <a:pPr marL="0" indent="0">
+              <a:buNone/>
             </a:pPr>
             <a:r>
-              <a:rPr lang="en-US" sz="2800" b="0" strike="noStrike" spc="-1" dirty="0">
-                <a:solidFill>
-                  <a:srgbClr val="000000"/>
-                </a:solidFill>
-                <a:latin typeface="Calibri"/>
+              <a:rPr lang="en-US" sz="1200" dirty="0">
+                <a:latin typeface="Calibri" panose="020F0502020204030204" pitchFamily="34" charset="0"/>
+                <a:cs typeface="Calibri" panose="020F0502020204030204" pitchFamily="34" charset="0"/>
               </a:rPr>
-              <a:t>This activity was straightforward so I was able to follow it easily.</a:t>
+              <a:t>Codes and files: </a:t>
             </a:r>
-          </a:p>
-          <a:p>
-            <a:pPr marL="228600" indent="-228600">
-              <a:lnSpc>
-                <a:spcPct val="90000"/>
-              </a:lnSpc>
-              <a:spcBef>
-                <a:spcPts val="1001"/>
-              </a:spcBef>
-              <a:buClr>
-                <a:srgbClr val="000000"/>
-              </a:buClr>
-              <a:buFont typeface="Arial"/>
-              <a:buChar char="•"/>
-            </a:pPr>
             <a:r>
-              <a:rPr lang="en-US" sz="2800" b="0" strike="noStrike" spc="-1" dirty="0">
-                <a:solidFill>
-                  <a:srgbClr val="000000"/>
-                </a:solidFill>
-                <a:latin typeface="Calibri"/>
+              <a:rPr lang="en-US" sz="1200" dirty="0">
+                <a:latin typeface="Calibri" panose="020F0502020204030204" pitchFamily="34" charset="0"/>
+                <a:cs typeface="Calibri" panose="020F0502020204030204" pitchFamily="34" charset="0"/>
+                <a:hlinkClick r:id="rId2"/>
               </a:rPr>
-              <a:t>It is fun to recognize and understand the functions of different options in ImageJ based on our fundamental understandings of image processing. It is cool to know that you can do these manually with coding without the app.</a:t>
+              <a:t>https://github.com/genvert/AP_157_FX-2_Vertudez/tree/main/Activity%205</a:t>
             </a:r>
-          </a:p>
-          <a:p>
-            <a:pPr marL="228600" indent="-228600">
-              <a:lnSpc>
-                <a:spcPct val="90000"/>
-              </a:lnSpc>
-              <a:spcBef>
-                <a:spcPts val="1001"/>
-              </a:spcBef>
-              <a:buClr>
-                <a:srgbClr val="000000"/>
-              </a:buClr>
-              <a:buFont typeface="Arial"/>
-              <a:buChar char="•"/>
-            </a:pPr>
-            <a:r>
-              <a:rPr lang="en-US" sz="2800" b="0" strike="noStrike" spc="-1" dirty="0">
-                <a:solidFill>
-                  <a:srgbClr val="000000"/>
-                </a:solidFill>
-                <a:latin typeface="Calibri"/>
-              </a:rPr>
-              <a:t>I am grateful for this no-coding exercise. This is a breather exercise because I have been overwhelmed by coding lately.</a:t>
-            </a:r>
-          </a:p>
-        </p:txBody>
-      </p:sp>
+            <a:endParaRPr lang="en-US" sz="1200" dirty="0">
+              <a:latin typeface="Calibri" panose="020F0502020204030204" pitchFamily="34" charset="0"/>
+              <a:cs typeface="Calibri" panose="020F0502020204030204" pitchFamily="34" charset="0"/>
+            </a:endParaRPr>
+          </a:p>
+        </p:txBody>
+      </p:sp>
+      <p:pic>
+        <p:nvPicPr>
+          <p:cNvPr id="4" name="Picture 3" descr="A close-up of a bug&#10;&#10;Description automatically generated">
+            <a:extLst>
+              <a:ext uri="{FF2B5EF4-FFF2-40B4-BE49-F238E27FC236}">
+                <a16:creationId xmlns:a16="http://schemas.microsoft.com/office/drawing/2014/main" id="{ACE0D29F-6FEC-F344-543E-8591BC0D6F4F}"/>
+              </a:ext>
+            </a:extLst>
+          </p:cNvPr>
+          <p:cNvPicPr>
+            <a:picLocks noChangeAspect="1"/>
+          </p:cNvPicPr>
+          <p:nvPr/>
+        </p:nvPicPr>
+        <p:blipFill>
+          <a:blip r:embed="rId3">
+            <a:extLst>
+              <a:ext uri="{28A0092B-C50C-407E-A947-70E740481C1C}">
+                <a14:useLocalDpi xmlns:a14="http://schemas.microsoft.com/office/drawing/2010/main" val="0"/>
+              </a:ext>
+            </a:extLst>
+          </a:blip>
+          <a:stretch>
+            <a:fillRect/>
+          </a:stretch>
+        </p:blipFill>
+        <p:spPr>
+          <a:xfrm>
+            <a:off x="1898163" y="3462392"/>
+            <a:ext cx="4197717" cy="3148288"/>
+          </a:xfrm>
+          <a:prstGeom prst="rect">
+            <a:avLst/>
+          </a:prstGeom>
+        </p:spPr>
+      </p:pic>
+      <p:pic>
+        <p:nvPicPr>
+          <p:cNvPr id="7" name="Picture 6" descr="A picture containing screenshot, invertebrate, text&#10;&#10;Description automatically generated">
+            <a:extLst>
+              <a:ext uri="{FF2B5EF4-FFF2-40B4-BE49-F238E27FC236}">
+                <a16:creationId xmlns:a16="http://schemas.microsoft.com/office/drawing/2014/main" id="{440526DA-6FAB-B57F-60BD-41CDA1E16B7C}"/>
+              </a:ext>
+            </a:extLst>
+          </p:cNvPr>
+          <p:cNvPicPr>
+            <a:picLocks noChangeAspect="1"/>
+          </p:cNvPicPr>
+          <p:nvPr/>
+        </p:nvPicPr>
+        <p:blipFill>
+          <a:blip r:embed="rId4">
+            <a:extLst>
+              <a:ext uri="{28A0092B-C50C-407E-A947-70E740481C1C}">
+                <a14:useLocalDpi xmlns:a14="http://schemas.microsoft.com/office/drawing/2010/main" val="0"/>
+              </a:ext>
+            </a:extLst>
+          </a:blip>
+          <a:stretch>
+            <a:fillRect/>
+          </a:stretch>
+        </p:blipFill>
+        <p:spPr>
+          <a:xfrm>
+            <a:off x="6095880" y="856917"/>
+            <a:ext cx="4277261" cy="3207946"/>
+          </a:xfrm>
+          <a:prstGeom prst="rect">
+            <a:avLst/>
+          </a:prstGeom>
+        </p:spPr>
+      </p:pic>
+      <p:pic>
+        <p:nvPicPr>
+          <p:cNvPr id="9" name="Picture 8" descr="A picture containing screenshot, text, insect, invertebrate&#10;&#10;Description automatically generated">
+            <a:extLst>
+              <a:ext uri="{FF2B5EF4-FFF2-40B4-BE49-F238E27FC236}">
+                <a16:creationId xmlns:a16="http://schemas.microsoft.com/office/drawing/2014/main" id="{5296AF4A-F61F-6F55-8B28-331275DBD6D4}"/>
+              </a:ext>
+            </a:extLst>
+          </p:cNvPr>
+          <p:cNvPicPr>
+            <a:picLocks noChangeAspect="1"/>
+          </p:cNvPicPr>
+          <p:nvPr/>
+        </p:nvPicPr>
+        <p:blipFill>
+          <a:blip r:embed="rId5">
+            <a:extLst>
+              <a:ext uri="{28A0092B-C50C-407E-A947-70E740481C1C}">
+                <a14:useLocalDpi xmlns:a14="http://schemas.microsoft.com/office/drawing/2010/main" val="0"/>
+              </a:ext>
+            </a:extLst>
+          </a:blip>
+          <a:stretch>
+            <a:fillRect/>
+          </a:stretch>
+        </p:blipFill>
+        <p:spPr>
+          <a:xfrm>
+            <a:off x="7447175" y="3567078"/>
+            <a:ext cx="3840485" cy="2880364"/>
+          </a:xfrm>
+          <a:prstGeom prst="rect">
+            <a:avLst/>
+          </a:prstGeom>
+        </p:spPr>
+      </p:pic>
+      <p:pic>
+        <p:nvPicPr>
+          <p:cNvPr id="11" name="Picture 10" descr="A bug on a rock&#10;&#10;Description automatically generated with low confidence">
+            <a:extLst>
+              <a:ext uri="{FF2B5EF4-FFF2-40B4-BE49-F238E27FC236}">
+                <a16:creationId xmlns:a16="http://schemas.microsoft.com/office/drawing/2014/main" id="{FC5D9292-071E-C0F4-10DB-BDFE26E410EB}"/>
+              </a:ext>
+            </a:extLst>
+          </p:cNvPr>
+          <p:cNvPicPr>
+            <a:picLocks noChangeAspect="1"/>
+          </p:cNvPicPr>
+          <p:nvPr/>
+        </p:nvPicPr>
+        <p:blipFill>
+          <a:blip r:embed="rId6" cstate="print">
+            <a:extLst>
+              <a:ext uri="{28A0092B-C50C-407E-A947-70E740481C1C}">
+                <a14:useLocalDpi xmlns:a14="http://schemas.microsoft.com/office/drawing/2010/main" val="0"/>
+              </a:ext>
+            </a:extLst>
+          </a:blip>
+          <a:stretch>
+            <a:fillRect/>
+          </a:stretch>
+        </p:blipFill>
+        <p:spPr>
+          <a:xfrm>
+            <a:off x="298516" y="1404078"/>
+            <a:ext cx="3978112" cy="2983584"/>
+          </a:xfrm>
+          <a:prstGeom prst="rect">
+            <a:avLst/>
+          </a:prstGeom>
+        </p:spPr>
+      </p:pic>
     </p:spTree>
+    <p:extLst>
+      <p:ext uri="{BB962C8B-B14F-4D97-AF65-F5344CB8AC3E}">
+        <p14:creationId xmlns:p14="http://schemas.microsoft.com/office/powerpoint/2010/main" val="2498912099"/>
+      </p:ext>
+    </p:extLst>
   </p:cSld>
   <p:clrMapOvr>
     <a:masterClrMapping/>
